--- a/Sales Analytics.pptx
+++ b/Sales Analytics.pptx
@@ -236,7 +236,7 @@
           <a:p>
             <a:fld id="{E7736193-EDE3-4BB5-AE5F-E6E5472AB8BE}" type="datetimeFigureOut">
               <a:rPr lang="en-US" smtClean="0"/>
-              <a:t>9/29/2023</a:t>
+              <a:t>10/9/2023</a:t>
             </a:fld>
             <a:endParaRPr lang="en-US"/>
           </a:p>
@@ -484,7 +484,7 @@
           <a:p>
             <a:fld id="{E7736193-EDE3-4BB5-AE5F-E6E5472AB8BE}" type="datetimeFigureOut">
               <a:rPr lang="en-US" smtClean="0"/>
-              <a:t>9/29/2023</a:t>
+              <a:t>10/9/2023</a:t>
             </a:fld>
             <a:endParaRPr lang="en-US"/>
           </a:p>
@@ -692,7 +692,7 @@
           <a:p>
             <a:fld id="{E7736193-EDE3-4BB5-AE5F-E6E5472AB8BE}" type="datetimeFigureOut">
               <a:rPr lang="en-US" smtClean="0"/>
-              <a:t>9/29/2023</a:t>
+              <a:t>10/9/2023</a:t>
             </a:fld>
             <a:endParaRPr lang="en-US"/>
           </a:p>
@@ -890,7 +890,7 @@
           <a:p>
             <a:fld id="{E7736193-EDE3-4BB5-AE5F-E6E5472AB8BE}" type="datetimeFigureOut">
               <a:rPr lang="en-US" smtClean="0"/>
-              <a:t>9/29/2023</a:t>
+              <a:t>10/9/2023</a:t>
             </a:fld>
             <a:endParaRPr lang="en-US"/>
           </a:p>
@@ -1167,7 +1167,7 @@
           <a:p>
             <a:fld id="{E7736193-EDE3-4BB5-AE5F-E6E5472AB8BE}" type="datetimeFigureOut">
               <a:rPr lang="en-US" smtClean="0"/>
-              <a:t>9/29/2023</a:t>
+              <a:t>10/9/2023</a:t>
             </a:fld>
             <a:endParaRPr lang="en-US"/>
           </a:p>
@@ -1437,7 +1437,7 @@
           <a:p>
             <a:fld id="{E7736193-EDE3-4BB5-AE5F-E6E5472AB8BE}" type="datetimeFigureOut">
               <a:rPr lang="en-US" smtClean="0"/>
-              <a:t>9/29/2023</a:t>
+              <a:t>10/9/2023</a:t>
             </a:fld>
             <a:endParaRPr lang="en-US"/>
           </a:p>
@@ -1853,7 +1853,7 @@
           <a:p>
             <a:fld id="{E7736193-EDE3-4BB5-AE5F-E6E5472AB8BE}" type="datetimeFigureOut">
               <a:rPr lang="en-US" smtClean="0"/>
-              <a:t>9/29/2023</a:t>
+              <a:t>10/9/2023</a:t>
             </a:fld>
             <a:endParaRPr lang="en-US"/>
           </a:p>
@@ -2086,7 +2086,7 @@
           <a:p>
             <a:fld id="{E7736193-EDE3-4BB5-AE5F-E6E5472AB8BE}" type="datetimeFigureOut">
               <a:rPr lang="en-US" smtClean="0"/>
-              <a:t>9/29/2023</a:t>
+              <a:t>10/9/2023</a:t>
             </a:fld>
             <a:endParaRPr lang="en-US"/>
           </a:p>
@@ -2199,7 +2199,7 @@
           <a:p>
             <a:fld id="{E7736193-EDE3-4BB5-AE5F-E6E5472AB8BE}" type="datetimeFigureOut">
               <a:rPr lang="en-US" smtClean="0"/>
-              <a:t>9/29/2023</a:t>
+              <a:t>10/9/2023</a:t>
             </a:fld>
             <a:endParaRPr lang="en-US"/>
           </a:p>
@@ -2516,7 +2516,7 @@
           <a:p>
             <a:fld id="{E7736193-EDE3-4BB5-AE5F-E6E5472AB8BE}" type="datetimeFigureOut">
               <a:rPr lang="en-US" smtClean="0"/>
-              <a:t>9/29/2023</a:t>
+              <a:t>10/9/2023</a:t>
             </a:fld>
             <a:endParaRPr lang="en-US"/>
           </a:p>
@@ -2869,7 +2869,7 @@
           <a:p>
             <a:fld id="{E7736193-EDE3-4BB5-AE5F-E6E5472AB8BE}" type="datetimeFigureOut">
               <a:rPr lang="en-US" smtClean="0"/>
-              <a:t>9/29/2023</a:t>
+              <a:t>10/9/2023</a:t>
             </a:fld>
             <a:endParaRPr lang="en-US"/>
           </a:p>
@@ -3167,7 +3167,7 @@
           <a:p>
             <a:fld id="{E7736193-EDE3-4BB5-AE5F-E6E5472AB8BE}" type="datetimeFigureOut">
               <a:rPr lang="en-US" smtClean="0"/>
-              <a:t>9/29/2023</a:t>
+              <a:t>10/9/2023</a:t>
             </a:fld>
             <a:endParaRPr lang="en-US"/>
           </a:p>
@@ -3691,7 +3691,7 @@
         <p:spPr>
           <a:xfrm>
             <a:off x="729620" y="1597224"/>
-            <a:ext cx="3939362" cy="1841435"/>
+            <a:ext cx="5142860" cy="1841435"/>
           </a:xfrm>
         </p:spPr>
         <p:txBody>
@@ -3702,7 +3702,7 @@
           <a:p>
             <a:r>
               <a:rPr lang="en-IN" dirty="0"/>
-              <a:t>ELGI Sales Analytics</a:t>
+              <a:t> SAles Analytics</a:t>
             </a:r>
           </a:p>
         </p:txBody>
@@ -3788,7 +3788,7 @@
                   <a:spcPts val="600"/>
                 </a:spcAft>
               </a:pPr>
-              <a:t>9/29/2023</a:t>
+              <a:t>10/9/2023</a:t>
             </a:fld>
             <a:endParaRPr lang="en-US" dirty="0">
               <a:effectLst>
@@ -4676,10 +4676,10 @@
       </p:sp>
       <p:pic>
         <p:nvPicPr>
-          <p:cNvPr id="4" name="Picture 3">
-            <a:extLst>
-              <a:ext uri="{FF2B5EF4-FFF2-40B4-BE49-F238E27FC236}">
-                <a16:creationId xmlns:a16="http://schemas.microsoft.com/office/drawing/2014/main" id="{C1BD8E56-E164-BAD5-9DD6-70D99FA31EC8}"/>
+          <p:cNvPr id="5" name="Picture 4" descr="A group of yellow bars&#10;&#10;Description automatically generated with medium confidence">
+            <a:extLst>
+              <a:ext uri="{FF2B5EF4-FFF2-40B4-BE49-F238E27FC236}">
+                <a16:creationId xmlns:a16="http://schemas.microsoft.com/office/drawing/2014/main" id="{F79F1A98-AFF4-1D73-1BDA-4AA89CEF947F}"/>
               </a:ext>
             </a:extLst>
           </p:cNvPr>
@@ -4702,7 +4702,7 @@
         </p:blipFill>
         <p:spPr>
           <a:xfrm>
-            <a:off x="103704" y="1033135"/>
+            <a:off x="103704" y="1132119"/>
             <a:ext cx="7153940" cy="5365455"/>
           </a:xfrm>
           <a:prstGeom prst="rect">
@@ -5139,8 +5139,8 @@
         </p:nvSpPr>
         <p:spPr>
           <a:xfrm>
-            <a:off x="7282927" y="2682240"/>
-            <a:ext cx="4458153" cy="3809999"/>
+            <a:off x="9377680" y="1225865"/>
+            <a:ext cx="2363400" cy="5266374"/>
           </a:xfrm>
           <a:prstGeom prst="roundRect">
             <a:avLst/>
@@ -5177,8 +5177,100 @@
                 <a:latin typeface="Poppins" panose="00000500000000000000" pitchFamily="2" charset="0"/>
                 <a:cs typeface="Poppins" panose="00000500000000000000" pitchFamily="2" charset="0"/>
               </a:rPr>
-              <a:t>Precision – Customer type 1 and 2 where predicted well while customer type 3&amp;4 had false positives</a:t>
-            </a:r>
+              <a:t>Precision</a:t>
+            </a:r>
+            <a:r>
+              <a:rPr lang="en-US" sz="1000" dirty="0">
+                <a:latin typeface="Poppins" panose="00000500000000000000" pitchFamily="2" charset="0"/>
+                <a:cs typeface="Poppins" panose="00000500000000000000" pitchFamily="2" charset="0"/>
+              </a:rPr>
+              <a:t> – </a:t>
+            </a:r>
+            <a:r>
+              <a:rPr lang="en-US" sz="1000" b="0" i="0" dirty="0">
+                <a:solidFill>
+                  <a:srgbClr val="D1D5DB"/>
+                </a:solidFill>
+                <a:effectLst/>
+                <a:latin typeface="Poppins" panose="00000500000000000000" pitchFamily="2" charset="0"/>
+                <a:cs typeface="Poppins" panose="00000500000000000000" pitchFamily="2" charset="0"/>
+              </a:rPr>
+              <a:t>measures the accuracy of positive predictions made by a model. Higher precision indicates fewer false positives and a lower rate of incorrectly classifying negative samples as positive.</a:t>
+            </a:r>
+          </a:p>
+          <a:p>
+            <a:endParaRPr lang="en-US" sz="1000" dirty="0">
+              <a:latin typeface="Poppins" panose="00000500000000000000" pitchFamily="2" charset="0"/>
+              <a:cs typeface="Poppins" panose="00000500000000000000" pitchFamily="2" charset="0"/>
+            </a:endParaRPr>
+          </a:p>
+          <a:p>
+            <a:r>
+              <a:rPr lang="en-US" sz="1200" dirty="0">
+                <a:latin typeface="Poppins" panose="00000500000000000000" pitchFamily="2" charset="0"/>
+                <a:cs typeface="Poppins" panose="00000500000000000000" pitchFamily="2" charset="0"/>
+              </a:rPr>
+              <a:t>Recall</a:t>
+            </a:r>
+            <a:r>
+              <a:rPr lang="en-US" sz="1000" dirty="0">
+                <a:latin typeface="Poppins" panose="00000500000000000000" pitchFamily="2" charset="0"/>
+                <a:cs typeface="Poppins" panose="00000500000000000000" pitchFamily="2" charset="0"/>
+              </a:rPr>
+              <a:t> – </a:t>
+            </a:r>
+            <a:r>
+              <a:rPr lang="en-US" sz="1000" b="0" i="0" dirty="0">
+                <a:solidFill>
+                  <a:srgbClr val="D1D5DB"/>
+                </a:solidFill>
+                <a:effectLst/>
+                <a:latin typeface="Poppins" panose="00000500000000000000" pitchFamily="2" charset="0"/>
+                <a:cs typeface="Poppins" panose="00000500000000000000" pitchFamily="2" charset="0"/>
+              </a:rPr>
+              <a:t>measures a model's ability to identify all positive instances in a dataset correctly. Higher recall indicates a lower rate of missing positive samples.</a:t>
+            </a:r>
+            <a:endParaRPr lang="en-US" sz="1000" dirty="0">
+              <a:latin typeface="Poppins" panose="00000500000000000000" pitchFamily="2" charset="0"/>
+              <a:cs typeface="Poppins" panose="00000500000000000000" pitchFamily="2" charset="0"/>
+            </a:endParaRPr>
+          </a:p>
+          <a:p>
+            <a:endParaRPr lang="en-US" sz="1000" dirty="0">
+              <a:latin typeface="Poppins" panose="00000500000000000000" pitchFamily="2" charset="0"/>
+              <a:cs typeface="Poppins" panose="00000500000000000000" pitchFamily="2" charset="0"/>
+            </a:endParaRPr>
+          </a:p>
+          <a:p>
+            <a:r>
+              <a:rPr lang="en-US" sz="1200" dirty="0">
+                <a:latin typeface="Poppins" panose="00000500000000000000" pitchFamily="2" charset="0"/>
+                <a:cs typeface="Poppins" panose="00000500000000000000" pitchFamily="2" charset="0"/>
+              </a:rPr>
+              <a:t>F1 – score </a:t>
+            </a:r>
+            <a:r>
+              <a:rPr lang="en-US" sz="1000" dirty="0">
+                <a:latin typeface="Poppins" panose="00000500000000000000" pitchFamily="2" charset="0"/>
+                <a:cs typeface="Poppins" panose="00000500000000000000" pitchFamily="2" charset="0"/>
+              </a:rPr>
+              <a:t>– </a:t>
+            </a:r>
+            <a:r>
+              <a:rPr lang="en-US" sz="1000" b="0" i="0" dirty="0">
+                <a:solidFill>
+                  <a:srgbClr val="D1D5DB"/>
+                </a:solidFill>
+                <a:effectLst/>
+                <a:latin typeface="Poppins" panose="00000500000000000000" pitchFamily="2" charset="0"/>
+                <a:cs typeface="Poppins" panose="00000500000000000000" pitchFamily="2" charset="0"/>
+              </a:rPr>
+              <a:t>The F1 score is a harmonic mean of precision and recall, offering a balance between these two metrics. A higher F1 score indicates a better trade-off between precision and recall.</a:t>
+            </a:r>
+            <a:endParaRPr lang="en-US" sz="1000" dirty="0">
+              <a:latin typeface="Poppins" panose="00000500000000000000" pitchFamily="2" charset="0"/>
+              <a:cs typeface="Poppins" panose="00000500000000000000" pitchFamily="2" charset="0"/>
+            </a:endParaRPr>
           </a:p>
           <a:p>
             <a:endParaRPr lang="en-US" sz="1200" dirty="0">
@@ -5192,53 +5284,17 @@
                 <a:latin typeface="Poppins" panose="00000500000000000000" pitchFamily="2" charset="0"/>
                 <a:cs typeface="Poppins" panose="00000500000000000000" pitchFamily="2" charset="0"/>
               </a:rPr>
-              <a:t>Recall – This is about relevant predictions, where class 2 has small portion of relevant predictions, 1 &amp; 3 where good, 4 is decently good</a:t>
-            </a:r>
-          </a:p>
-          <a:p>
-            <a:endParaRPr lang="en-US" sz="1200" dirty="0">
-              <a:latin typeface="Poppins" panose="00000500000000000000" pitchFamily="2" charset="0"/>
-              <a:cs typeface="Poppins" panose="00000500000000000000" pitchFamily="2" charset="0"/>
-            </a:endParaRPr>
-          </a:p>
-          <a:p>
-            <a:r>
-              <a:rPr lang="en-US" sz="1200" dirty="0">
-                <a:latin typeface="Poppins" panose="00000500000000000000" pitchFamily="2" charset="0"/>
-                <a:cs typeface="Poppins" panose="00000500000000000000" pitchFamily="2" charset="0"/>
-              </a:rPr>
-              <a:t>F1 – score – its about harmonic mean of precision &amp; recall where 1 is high accuracy, 2 is lower, 3 is decent, 4 is good.</a:t>
-            </a:r>
-          </a:p>
-          <a:p>
-            <a:endParaRPr lang="en-US" sz="1200" dirty="0">
-              <a:latin typeface="Poppins" panose="00000500000000000000" pitchFamily="2" charset="0"/>
-              <a:cs typeface="Poppins" panose="00000500000000000000" pitchFamily="2" charset="0"/>
-            </a:endParaRPr>
-          </a:p>
-          <a:p>
-            <a:r>
-              <a:rPr lang="en-US" sz="1200" dirty="0">
-                <a:latin typeface="Poppins" panose="00000500000000000000" pitchFamily="2" charset="0"/>
-                <a:cs typeface="Poppins" panose="00000500000000000000" pitchFamily="2" charset="0"/>
-              </a:rPr>
-              <a:t>Over all model accuracy is 62.67%</a:t>
-            </a:r>
-          </a:p>
-          <a:p>
-            <a:endParaRPr lang="en-IN" sz="1200" dirty="0">
-              <a:latin typeface="Poppins" panose="00000500000000000000" pitchFamily="2" charset="0"/>
-              <a:cs typeface="Poppins" panose="00000500000000000000" pitchFamily="2" charset="0"/>
-            </a:endParaRPr>
+              <a:t>Overall model accuracy is 89.8%</a:t>
+            </a:r>
           </a:p>
         </p:txBody>
       </p:sp>
       <p:pic>
         <p:nvPicPr>
-          <p:cNvPr id="4" name="Picture 3">
-            <a:extLst>
-              <a:ext uri="{FF2B5EF4-FFF2-40B4-BE49-F238E27FC236}">
-                <a16:creationId xmlns:a16="http://schemas.microsoft.com/office/drawing/2014/main" id="{6D3A5DDE-CC21-7FD0-81CE-F24A6838962C}"/>
+          <p:cNvPr id="2" name="Picture 1" descr="A group of yellow bars&#10;&#10;Description automatically generated with medium confidence">
+            <a:extLst>
+              <a:ext uri="{FF2B5EF4-FFF2-40B4-BE49-F238E27FC236}">
+                <a16:creationId xmlns:a16="http://schemas.microsoft.com/office/drawing/2014/main" id="{B7B14189-F659-4C41-342F-BCD87150DE72}"/>
               </a:ext>
             </a:extLst>
           </p:cNvPr>
@@ -5248,41 +5304,33 @@
           <p:nvPr/>
         </p:nvPicPr>
         <p:blipFill>
-          <a:blip r:embed="rId2"/>
+          <a:blip r:embed="rId2">
+            <a:extLst>
+              <a:ext uri="{28A0092B-C50C-407E-A947-70E740481C1C}">
+                <a14:useLocalDpi xmlns:a14="http://schemas.microsoft.com/office/drawing/2010/main" val="0"/>
+              </a:ext>
+            </a:extLst>
+          </a:blip>
           <a:stretch>
             <a:fillRect/>
           </a:stretch>
         </p:blipFill>
         <p:spPr>
           <a:xfrm>
-            <a:off x="7461927" y="136906"/>
-            <a:ext cx="4279153" cy="2232234"/>
+            <a:off x="-2301" y="648585"/>
+            <a:ext cx="5880536" cy="4410402"/>
           </a:xfrm>
           <a:prstGeom prst="rect">
             <a:avLst/>
           </a:prstGeom>
-          <a:ln w="38100" cap="sq">
-            <a:solidFill>
-              <a:srgbClr val="000000"/>
-            </a:solidFill>
-            <a:prstDash val="solid"/>
-            <a:miter lim="800000"/>
-          </a:ln>
-          <a:effectLst>
-            <a:outerShdw blurRad="50800" dist="38100" dir="2700000" algn="tl" rotWithShape="0">
-              <a:srgbClr val="000000">
-                <a:alpha val="43000"/>
-              </a:srgbClr>
-            </a:outerShdw>
-          </a:effectLst>
         </p:spPr>
       </p:pic>
       <p:pic>
         <p:nvPicPr>
-          <p:cNvPr id="6" name="Picture 5">
-            <a:extLst>
-              <a:ext uri="{FF2B5EF4-FFF2-40B4-BE49-F238E27FC236}">
-                <a16:creationId xmlns:a16="http://schemas.microsoft.com/office/drawing/2014/main" id="{A8BAF7C7-4A56-93B4-0924-F19CDE410D22}"/>
+          <p:cNvPr id="5" name="Picture 4">
+            <a:extLst>
+              <a:ext uri="{FF2B5EF4-FFF2-40B4-BE49-F238E27FC236}">
+                <a16:creationId xmlns:a16="http://schemas.microsoft.com/office/drawing/2014/main" id="{2A36BC13-FEAF-C0E8-A08D-4EBF9E022F98}"/>
               </a:ext>
             </a:extLst>
           </p:cNvPr>
@@ -5292,27 +5340,135 @@
           <p:nvPr/>
         </p:nvPicPr>
         <p:blipFill>
-          <a:blip r:embed="rId3">
-            <a:extLst>
-              <a:ext uri="{28A0092B-C50C-407E-A947-70E740481C1C}">
-                <a14:useLocalDpi xmlns:a14="http://schemas.microsoft.com/office/drawing/2010/main" val="0"/>
-              </a:ext>
-            </a:extLst>
-          </a:blip>
+          <a:blip r:embed="rId3"/>
           <a:stretch>
             <a:fillRect/>
           </a:stretch>
         </p:blipFill>
         <p:spPr>
           <a:xfrm>
-            <a:off x="103704" y="1033136"/>
-            <a:ext cx="6825416" cy="5119062"/>
+            <a:off x="5950565" y="648585"/>
+            <a:ext cx="2512715" cy="4309557"/>
           </a:xfrm>
           <a:prstGeom prst="rect">
             <a:avLst/>
           </a:prstGeom>
         </p:spPr>
       </p:pic>
+      <p:pic>
+        <p:nvPicPr>
+          <p:cNvPr id="10" name="Picture 9">
+            <a:extLst>
+              <a:ext uri="{FF2B5EF4-FFF2-40B4-BE49-F238E27FC236}">
+                <a16:creationId xmlns:a16="http://schemas.microsoft.com/office/drawing/2014/main" id="{37D445BA-ACA3-E500-840E-41784E5A025A}"/>
+              </a:ext>
+            </a:extLst>
+          </p:cNvPr>
+          <p:cNvPicPr>
+            <a:picLocks noChangeAspect="1"/>
+          </p:cNvPicPr>
+          <p:nvPr/>
+        </p:nvPicPr>
+        <p:blipFill rotWithShape="1">
+          <a:blip r:embed="rId4"/>
+          <a:srcRect t="48795"/>
+          <a:stretch/>
+        </p:blipFill>
+        <p:spPr>
+          <a:xfrm>
+            <a:off x="5950565" y="4931275"/>
+            <a:ext cx="2512715" cy="1077091"/>
+          </a:xfrm>
+          <a:prstGeom prst="rect">
+            <a:avLst/>
+          </a:prstGeom>
+        </p:spPr>
+      </p:pic>
+      <p:pic>
+        <p:nvPicPr>
+          <p:cNvPr id="11" name="Picture 10">
+            <a:extLst>
+              <a:ext uri="{FF2B5EF4-FFF2-40B4-BE49-F238E27FC236}">
+                <a16:creationId xmlns:a16="http://schemas.microsoft.com/office/drawing/2014/main" id="{271B35B3-3AFB-982F-15FF-9429F01F028B}"/>
+              </a:ext>
+            </a:extLst>
+          </p:cNvPr>
+          <p:cNvPicPr>
+            <a:picLocks noChangeAspect="1"/>
+          </p:cNvPicPr>
+          <p:nvPr/>
+        </p:nvPicPr>
+        <p:blipFill rotWithShape="1">
+          <a:blip r:embed="rId4"/>
+          <a:srcRect b="54867"/>
+          <a:stretch/>
+        </p:blipFill>
+        <p:spPr>
+          <a:xfrm>
+            <a:off x="3365520" y="5058987"/>
+            <a:ext cx="2512715" cy="949379"/>
+          </a:xfrm>
+          <a:prstGeom prst="rect">
+            <a:avLst/>
+          </a:prstGeom>
+        </p:spPr>
+      </p:pic>
+      <p:sp>
+        <p:nvSpPr>
+          <p:cNvPr id="12" name="Rectangle 11">
+            <a:extLst>
+              <a:ext uri="{FF2B5EF4-FFF2-40B4-BE49-F238E27FC236}">
+                <a16:creationId xmlns:a16="http://schemas.microsoft.com/office/drawing/2014/main" id="{6055AA78-2739-279C-DFF5-DC1C4303A4DB}"/>
+              </a:ext>
+            </a:extLst>
+          </p:cNvPr>
+          <p:cNvSpPr/>
+          <p:nvPr/>
+        </p:nvSpPr>
+        <p:spPr>
+          <a:xfrm>
+            <a:off x="3219767" y="4991607"/>
+            <a:ext cx="2658467" cy="1217807"/>
+          </a:xfrm>
+          <a:prstGeom prst="rect">
+            <a:avLst/>
+          </a:prstGeom>
+          <a:solidFill>
+            <a:srgbClr val="92D050">
+              <a:alpha val="30196"/>
+            </a:srgbClr>
+          </a:solidFill>
+          <a:ln w="38100">
+            <a:solidFill>
+              <a:srgbClr val="92D050"/>
+            </a:solidFill>
+          </a:ln>
+        </p:spPr>
+        <p:style>
+          <a:lnRef idx="2">
+            <a:schemeClr val="accent1">
+              <a:shade val="15000"/>
+            </a:schemeClr>
+          </a:lnRef>
+          <a:fillRef idx="1">
+            <a:schemeClr val="accent1"/>
+          </a:fillRef>
+          <a:effectRef idx="0">
+            <a:schemeClr val="accent1"/>
+          </a:effectRef>
+          <a:fontRef idx="minor">
+            <a:schemeClr val="lt1"/>
+          </a:fontRef>
+        </p:style>
+        <p:txBody>
+          <a:bodyPr rtlCol="0" anchor="ctr"/>
+          <a:lstStyle/>
+          <a:p>
+            <a:pPr algn="ctr"/>
+            <a:endParaRPr lang="en-IN"/>
+          </a:p>
+        </p:txBody>
+      </p:sp>
     </p:spTree>
     <p:extLst>
       <p:ext uri="{BB962C8B-B14F-4D97-AF65-F5344CB8AC3E}">
@@ -6198,7 +6354,7 @@
                 <a:ea typeface="Calibri Light" panose="020F0302020204030204" pitchFamily="34" charset="0"/>
                 <a:cs typeface="Poppins" panose="00000500000000000000" pitchFamily="2" charset="0"/>
               </a:rPr>
-              <a:t>As per the observation made on the ELGI Annual report for 2021 -22 and 2022-23, the following were some data points to be noted,</a:t>
+              <a:t>As per the observation made on the Company Annual report for 2021 -22 and 2022-23, the following were some data points to be noted,</a:t>
             </a:r>
           </a:p>
           <a:p>
@@ -6460,7 +6616,23 @@
                 <a:ea typeface="Calibri Light" panose="020F0302020204030204" pitchFamily="34" charset="0"/>
                 <a:cs typeface="Poppins" panose="00000500000000000000" pitchFamily="2" charset="0"/>
               </a:rPr>
-              <a:t>Note: We tried to synthesize the 2021 and 2022 data considering various parameters such as Product categories, customer ID, region, units, cost_per_unit, sales_cost, staff_qty, per staff cost, and staff cost. These data points are used here to make a data storyboard in the forthcoming slides.</a:t>
+              <a:t>Note: We tried to synthesize the 2021 and 2022 data considering various parameters such as Product categories, customer ID, region, units, cost_per_unit, </a:t>
+            </a:r>
+            <a:r>
+              <a:rPr lang="en-IN" sz="1200" dirty="0" err="1">
+                <a:latin typeface="Poppins" panose="00000500000000000000" pitchFamily="2" charset="0"/>
+                <a:ea typeface="Calibri Light" panose="020F0302020204030204" pitchFamily="34" charset="0"/>
+                <a:cs typeface="Poppins" panose="00000500000000000000" pitchFamily="2" charset="0"/>
+              </a:rPr>
+              <a:t>sales_cost</a:t>
+            </a:r>
+            <a:r>
+              <a:rPr lang="en-IN" sz="1200" dirty="0">
+                <a:latin typeface="Poppins" panose="00000500000000000000" pitchFamily="2" charset="0"/>
+                <a:ea typeface="Calibri Light" panose="020F0302020204030204" pitchFamily="34" charset="0"/>
+                <a:cs typeface="Poppins" panose="00000500000000000000" pitchFamily="2" charset="0"/>
+              </a:rPr>
+              <a:t>, staff_qty, per staff cost, and staff cost. These data points are used here to make a data storyboard in the forthcoming slides.</a:t>
             </a:r>
           </a:p>
         </p:txBody>
@@ -7150,9 +7322,10 @@
           <a:p>
             <a:pPr algn="ctr"/>
             <a:r>
-              <a:rPr lang="en-IN" dirty="0"/>
+              <a:rPr lang="en-IN" dirty="0" err="1"/>
               <a:t>Sales_cost</a:t>
             </a:r>
+            <a:endParaRPr lang="en-IN" dirty="0"/>
           </a:p>
         </p:txBody>
       </p:sp>

--- a/Sales Analytics.pptx
+++ b/Sales Analytics.pptx
@@ -18,6 +18,7 @@
     <p:sldId id="3218" r:id="rId12"/>
     <p:sldId id="3219" r:id="rId13"/>
     <p:sldId id="3220" r:id="rId14"/>
+    <p:sldId id="3221" r:id="rId15"/>
   </p:sldIdLst>
   <p:sldSz cx="12192000" cy="6858000"/>
   <p:notesSz cx="6858000" cy="9144000"/>
@@ -236,7 +237,7 @@
           <a:p>
             <a:fld id="{E7736193-EDE3-4BB5-AE5F-E6E5472AB8BE}" type="datetimeFigureOut">
               <a:rPr lang="en-US" smtClean="0"/>
-              <a:t>10/9/2023</a:t>
+              <a:t>10/12/2023</a:t>
             </a:fld>
             <a:endParaRPr lang="en-US"/>
           </a:p>
@@ -484,7 +485,7 @@
           <a:p>
             <a:fld id="{E7736193-EDE3-4BB5-AE5F-E6E5472AB8BE}" type="datetimeFigureOut">
               <a:rPr lang="en-US" smtClean="0"/>
-              <a:t>10/9/2023</a:t>
+              <a:t>10/12/2023</a:t>
             </a:fld>
             <a:endParaRPr lang="en-US"/>
           </a:p>
@@ -692,7 +693,7 @@
           <a:p>
             <a:fld id="{E7736193-EDE3-4BB5-AE5F-E6E5472AB8BE}" type="datetimeFigureOut">
               <a:rPr lang="en-US" smtClean="0"/>
-              <a:t>10/9/2023</a:t>
+              <a:t>10/12/2023</a:t>
             </a:fld>
             <a:endParaRPr lang="en-US"/>
           </a:p>
@@ -890,7 +891,7 @@
           <a:p>
             <a:fld id="{E7736193-EDE3-4BB5-AE5F-E6E5472AB8BE}" type="datetimeFigureOut">
               <a:rPr lang="en-US" smtClean="0"/>
-              <a:t>10/9/2023</a:t>
+              <a:t>10/12/2023</a:t>
             </a:fld>
             <a:endParaRPr lang="en-US"/>
           </a:p>
@@ -1167,7 +1168,7 @@
           <a:p>
             <a:fld id="{E7736193-EDE3-4BB5-AE5F-E6E5472AB8BE}" type="datetimeFigureOut">
               <a:rPr lang="en-US" smtClean="0"/>
-              <a:t>10/9/2023</a:t>
+              <a:t>10/12/2023</a:t>
             </a:fld>
             <a:endParaRPr lang="en-US"/>
           </a:p>
@@ -1437,7 +1438,7 @@
           <a:p>
             <a:fld id="{E7736193-EDE3-4BB5-AE5F-E6E5472AB8BE}" type="datetimeFigureOut">
               <a:rPr lang="en-US" smtClean="0"/>
-              <a:t>10/9/2023</a:t>
+              <a:t>10/12/2023</a:t>
             </a:fld>
             <a:endParaRPr lang="en-US"/>
           </a:p>
@@ -1853,7 +1854,7 @@
           <a:p>
             <a:fld id="{E7736193-EDE3-4BB5-AE5F-E6E5472AB8BE}" type="datetimeFigureOut">
               <a:rPr lang="en-US" smtClean="0"/>
-              <a:t>10/9/2023</a:t>
+              <a:t>10/12/2023</a:t>
             </a:fld>
             <a:endParaRPr lang="en-US"/>
           </a:p>
@@ -2086,7 +2087,7 @@
           <a:p>
             <a:fld id="{E7736193-EDE3-4BB5-AE5F-E6E5472AB8BE}" type="datetimeFigureOut">
               <a:rPr lang="en-US" smtClean="0"/>
-              <a:t>10/9/2023</a:t>
+              <a:t>10/12/2023</a:t>
             </a:fld>
             <a:endParaRPr lang="en-US"/>
           </a:p>
@@ -2199,7 +2200,7 @@
           <a:p>
             <a:fld id="{E7736193-EDE3-4BB5-AE5F-E6E5472AB8BE}" type="datetimeFigureOut">
               <a:rPr lang="en-US" smtClean="0"/>
-              <a:t>10/9/2023</a:t>
+              <a:t>10/12/2023</a:t>
             </a:fld>
             <a:endParaRPr lang="en-US"/>
           </a:p>
@@ -2516,7 +2517,7 @@
           <a:p>
             <a:fld id="{E7736193-EDE3-4BB5-AE5F-E6E5472AB8BE}" type="datetimeFigureOut">
               <a:rPr lang="en-US" smtClean="0"/>
-              <a:t>10/9/2023</a:t>
+              <a:t>10/12/2023</a:t>
             </a:fld>
             <a:endParaRPr lang="en-US"/>
           </a:p>
@@ -2869,7 +2870,7 @@
           <a:p>
             <a:fld id="{E7736193-EDE3-4BB5-AE5F-E6E5472AB8BE}" type="datetimeFigureOut">
               <a:rPr lang="en-US" smtClean="0"/>
-              <a:t>10/9/2023</a:t>
+              <a:t>10/12/2023</a:t>
             </a:fld>
             <a:endParaRPr lang="en-US"/>
           </a:p>
@@ -3167,7 +3168,7 @@
           <a:p>
             <a:fld id="{E7736193-EDE3-4BB5-AE5F-E6E5472AB8BE}" type="datetimeFigureOut">
               <a:rPr lang="en-US" smtClean="0"/>
-              <a:t>10/9/2023</a:t>
+              <a:t>10/12/2023</a:t>
             </a:fld>
             <a:endParaRPr lang="en-US"/>
           </a:p>
@@ -3788,7 +3789,7 @@
                   <a:spcPts val="600"/>
                 </a:spcAft>
               </a:pPr>
-              <a:t>10/9/2023</a:t>
+              <a:t>10/12/2023</a:t>
             </a:fld>
             <a:endParaRPr lang="en-US" dirty="0">
               <a:effectLst>
@@ -5284,7 +5285,7 @@
                 <a:latin typeface="Poppins" panose="00000500000000000000" pitchFamily="2" charset="0"/>
                 <a:cs typeface="Poppins" panose="00000500000000000000" pitchFamily="2" charset="0"/>
               </a:rPr>
-              <a:t>Overall model accuracy is 89.8%</a:t>
+              <a:t>Overall best model accuracy is 89.8%</a:t>
             </a:r>
           </a:p>
         </p:txBody>
@@ -5473,6 +5474,247 @@
     <p:extLst>
       <p:ext uri="{BB962C8B-B14F-4D97-AF65-F5344CB8AC3E}">
         <p14:creationId xmlns:p14="http://schemas.microsoft.com/office/powerpoint/2010/main" val="124610819"/>
+      </p:ext>
+    </p:extLst>
+  </p:cSld>
+  <p:clrMapOvr>
+    <a:masterClrMapping/>
+  </p:clrMapOvr>
+</p:sld>
+</file>
+
+<file path=ppt/slides/slide14.xml><?xml version="1.0" encoding="utf-8"?>
+<p:sld xmlns:a="http://schemas.openxmlformats.org/drawingml/2006/main" xmlns:r="http://schemas.openxmlformats.org/officeDocument/2006/relationships" xmlns:p="http://schemas.openxmlformats.org/presentationml/2006/main">
+  <p:cSld>
+    <p:bg>
+      <p:bgPr>
+        <a:solidFill>
+          <a:schemeClr val="bg2">
+            <a:alpha val="0"/>
+          </a:schemeClr>
+        </a:solidFill>
+        <a:effectLst/>
+      </p:bgPr>
+    </p:bg>
+    <p:spTree>
+      <p:nvGrpSpPr>
+        <p:cNvPr id="1" name=""/>
+        <p:cNvGrpSpPr/>
+        <p:nvPr/>
+      </p:nvGrpSpPr>
+      <p:grpSpPr>
+        <a:xfrm>
+          <a:off x="0" y="0"/>
+          <a:ext cx="0" cy="0"/>
+          <a:chOff x="0" y="0"/>
+          <a:chExt cx="0" cy="0"/>
+        </a:xfrm>
+      </p:grpSpPr>
+      <p:sp>
+        <p:nvSpPr>
+          <p:cNvPr id="3" name="TextBox 2">
+            <a:extLst>
+              <a:ext uri="{FF2B5EF4-FFF2-40B4-BE49-F238E27FC236}">
+                <a16:creationId xmlns:a16="http://schemas.microsoft.com/office/drawing/2014/main" id="{180B7AD1-4312-E7FA-47F2-DF7B44EB2F0E}"/>
+              </a:ext>
+            </a:extLst>
+          </p:cNvPr>
+          <p:cNvSpPr txBox="1"/>
+          <p:nvPr/>
+        </p:nvSpPr>
+        <p:spPr>
+          <a:xfrm>
+            <a:off x="103704" y="136906"/>
+            <a:ext cx="6754295" cy="511679"/>
+          </a:xfrm>
+          <a:prstGeom prst="rect">
+            <a:avLst/>
+          </a:prstGeom>
+        </p:spPr>
+        <p:txBody>
+          <a:bodyPr vert="horz" lIns="91440" tIns="45720" rIns="91440" bIns="45720" rtlCol="0" anchor="ctr">
+            <a:noAutofit/>
+          </a:bodyPr>
+          <a:lstStyle>
+            <a:defPPr>
+              <a:defRPr lang="en-US"/>
+            </a:defPPr>
+            <a:lvl1pPr>
+              <a:lnSpc>
+                <a:spcPct val="90000"/>
+              </a:lnSpc>
+              <a:spcBef>
+                <a:spcPct val="0"/>
+              </a:spcBef>
+              <a:buNone/>
+              <a:defRPr sz="3000" b="0" i="1" baseline="0">
+                <a:solidFill>
+                  <a:srgbClr val="1A385F"/>
+                </a:solidFill>
+                <a:latin typeface="Poppins SemiBold" panose="00000700000000000000" pitchFamily="2" charset="0"/>
+                <a:ea typeface="+mj-ea"/>
+                <a:cs typeface="Poppins SemiBold" panose="00000700000000000000" pitchFamily="2" charset="0"/>
+              </a:defRPr>
+            </a:lvl1pPr>
+          </a:lstStyle>
+          <a:p>
+            <a:r>
+              <a:rPr lang="en-IN" sz="1800" dirty="0">
+                <a:latin typeface="Poppins SemiBold"/>
+                <a:cs typeface="Poppins SemiBold"/>
+              </a:rPr>
+              <a:t>Evaluation – Customer segmentation</a:t>
+            </a:r>
+          </a:p>
+        </p:txBody>
+      </p:sp>
+      <p:sp>
+        <p:nvSpPr>
+          <p:cNvPr id="9" name="Rectangle: Rounded Corners 8">
+            <a:extLst>
+              <a:ext uri="{FF2B5EF4-FFF2-40B4-BE49-F238E27FC236}">
+                <a16:creationId xmlns:a16="http://schemas.microsoft.com/office/drawing/2014/main" id="{01E4105D-F12B-90D0-EE8D-B8350120809F}"/>
+              </a:ext>
+            </a:extLst>
+          </p:cNvPr>
+          <p:cNvSpPr/>
+          <p:nvPr/>
+        </p:nvSpPr>
+        <p:spPr>
+          <a:xfrm>
+            <a:off x="4389121" y="5400294"/>
+            <a:ext cx="7179240" cy="909066"/>
+          </a:xfrm>
+          <a:prstGeom prst="roundRect">
+            <a:avLst/>
+          </a:prstGeom>
+          <a:solidFill>
+            <a:schemeClr val="tx1"/>
+          </a:solidFill>
+          <a:ln>
+            <a:noFill/>
+          </a:ln>
+        </p:spPr>
+        <p:style>
+          <a:lnRef idx="2">
+            <a:schemeClr val="accent1">
+              <a:shade val="15000"/>
+            </a:schemeClr>
+          </a:lnRef>
+          <a:fillRef idx="1">
+            <a:schemeClr val="accent1"/>
+          </a:fillRef>
+          <a:effectRef idx="0">
+            <a:schemeClr val="accent1"/>
+          </a:effectRef>
+          <a:fontRef idx="minor">
+            <a:schemeClr val="lt1"/>
+          </a:fontRef>
+        </p:style>
+        <p:txBody>
+          <a:bodyPr rtlCol="0" anchor="ctr"/>
+          <a:lstStyle/>
+          <a:p>
+            <a:r>
+              <a:rPr lang="en-US" sz="1200" dirty="0">
+                <a:latin typeface="Poppins" panose="00000500000000000000" pitchFamily="2" charset="0"/>
+                <a:cs typeface="Poppins" panose="00000500000000000000" pitchFamily="2" charset="0"/>
+              </a:rPr>
+              <a:t>The best algorithm evaluated is utilized here to predict the customer profile for 2022 data and able to display the result while we could refer to this profile to meet the staff demand and cost.</a:t>
+            </a:r>
+          </a:p>
+        </p:txBody>
+      </p:sp>
+      <p:pic>
+        <p:nvPicPr>
+          <p:cNvPr id="6" name="Picture 5">
+            <a:extLst>
+              <a:ext uri="{FF2B5EF4-FFF2-40B4-BE49-F238E27FC236}">
+                <a16:creationId xmlns:a16="http://schemas.microsoft.com/office/drawing/2014/main" id="{3C2F1660-5A9A-2AC4-4E04-38551236BC71}"/>
+              </a:ext>
+            </a:extLst>
+          </p:cNvPr>
+          <p:cNvPicPr>
+            <a:picLocks noChangeAspect="1"/>
+          </p:cNvPicPr>
+          <p:nvPr/>
+        </p:nvPicPr>
+        <p:blipFill>
+          <a:blip r:embed="rId2"/>
+          <a:stretch>
+            <a:fillRect/>
+          </a:stretch>
+        </p:blipFill>
+        <p:spPr>
+          <a:xfrm>
+            <a:off x="289812" y="924467"/>
+            <a:ext cx="7820056" cy="4419693"/>
+          </a:xfrm>
+          <a:prstGeom prst="rect">
+            <a:avLst/>
+          </a:prstGeom>
+        </p:spPr>
+      </p:pic>
+      <p:sp>
+        <p:nvSpPr>
+          <p:cNvPr id="7" name="Rectangle 6">
+            <a:extLst>
+              <a:ext uri="{FF2B5EF4-FFF2-40B4-BE49-F238E27FC236}">
+                <a16:creationId xmlns:a16="http://schemas.microsoft.com/office/drawing/2014/main" id="{7418FEDD-658C-AC57-6809-D2FD3B29C7B0}"/>
+              </a:ext>
+            </a:extLst>
+          </p:cNvPr>
+          <p:cNvSpPr/>
+          <p:nvPr/>
+        </p:nvSpPr>
+        <p:spPr>
+          <a:xfrm>
+            <a:off x="4907280" y="3048001"/>
+            <a:ext cx="1066800" cy="2031999"/>
+          </a:xfrm>
+          <a:prstGeom prst="rect">
+            <a:avLst/>
+          </a:prstGeom>
+          <a:solidFill>
+            <a:srgbClr val="92D050">
+              <a:alpha val="30196"/>
+            </a:srgbClr>
+          </a:solidFill>
+          <a:ln w="38100">
+            <a:solidFill>
+              <a:srgbClr val="92D050"/>
+            </a:solidFill>
+          </a:ln>
+        </p:spPr>
+        <p:style>
+          <a:lnRef idx="2">
+            <a:schemeClr val="accent1">
+              <a:shade val="15000"/>
+            </a:schemeClr>
+          </a:lnRef>
+          <a:fillRef idx="1">
+            <a:schemeClr val="accent1"/>
+          </a:fillRef>
+          <a:effectRef idx="0">
+            <a:schemeClr val="accent1"/>
+          </a:effectRef>
+          <a:fontRef idx="minor">
+            <a:schemeClr val="lt1"/>
+          </a:fontRef>
+        </p:style>
+        <p:txBody>
+          <a:bodyPr rtlCol="0" anchor="ctr"/>
+          <a:lstStyle/>
+          <a:p>
+            <a:pPr algn="ctr"/>
+            <a:endParaRPr lang="en-IN"/>
+          </a:p>
+        </p:txBody>
+      </p:sp>
+    </p:spTree>
+    <p:extLst>
+      <p:ext uri="{BB962C8B-B14F-4D97-AF65-F5344CB8AC3E}">
+        <p14:creationId xmlns:p14="http://schemas.microsoft.com/office/powerpoint/2010/main" val="3472464833"/>
       </p:ext>
     </p:extLst>
   </p:cSld>
@@ -6330,7 +6572,7 @@
         <p:spPr>
           <a:xfrm>
             <a:off x="455426" y="697852"/>
-            <a:ext cx="11515911" cy="6160148"/>
+            <a:ext cx="11515911" cy="5883149"/>
           </a:xfrm>
           <a:prstGeom prst="rect">
             <a:avLst/>
@@ -6384,7 +6626,7 @@
                 <a:ea typeface="Calibri Light" panose="020F0302020204030204" pitchFamily="34" charset="0"/>
                 <a:cs typeface="Poppins" panose="00000500000000000000" pitchFamily="2" charset="0"/>
               </a:rPr>
-              <a:t>- 2021 to 2022: 25,427 million</a:t>
+              <a:t>- 2021 to 2022: 48 million</a:t>
             </a:r>
           </a:p>
           <a:p>
@@ -6399,7 +6641,7 @@
                 <a:ea typeface="Calibri Light" panose="020F0302020204030204" pitchFamily="34" charset="0"/>
                 <a:cs typeface="Poppins" panose="00000500000000000000" pitchFamily="2" charset="0"/>
               </a:rPr>
-              <a:t>- 2022 to 2023: 30,407 million</a:t>
+              <a:t>- 2022 to 2023: 68 million</a:t>
             </a:r>
           </a:p>
           <a:p>
@@ -6414,7 +6656,7 @@
                 <a:ea typeface="Calibri Light" panose="020F0302020204030204" pitchFamily="34" charset="0"/>
                 <a:cs typeface="Poppins" panose="00000500000000000000" pitchFamily="2" charset="0"/>
               </a:rPr>
-              <a:t>Approximately 5160 million increase is observed.</a:t>
+              <a:t>Approximately 20 million increase is observed.</a:t>
             </a:r>
           </a:p>
           <a:p>
@@ -6456,7 +6698,7 @@
                 <a:ea typeface="Calibri Light" panose="020F0302020204030204" pitchFamily="34" charset="0"/>
                 <a:cs typeface="Poppins" panose="00000500000000000000" pitchFamily="2" charset="0"/>
               </a:rPr>
-              <a:t>- 2021 to 2022: 2162</a:t>
+              <a:t>- 2021 to 2022: 1866</a:t>
             </a:r>
           </a:p>
           <a:p>
@@ -6471,7 +6713,7 @@
                 <a:ea typeface="Calibri Light" panose="020F0302020204030204" pitchFamily="34" charset="0"/>
                 <a:cs typeface="Poppins" panose="00000500000000000000" pitchFamily="2" charset="0"/>
               </a:rPr>
-              <a:t>- 2022 to 2023: 2127</a:t>
+              <a:t>- 2022 to 2023: 1596</a:t>
             </a:r>
           </a:p>
           <a:p>
@@ -6525,7 +6767,7 @@
                 <a:ea typeface="Calibri Light" panose="020F0302020204030204" pitchFamily="34" charset="0"/>
                 <a:cs typeface="Poppins" panose="00000500000000000000" pitchFamily="2" charset="0"/>
               </a:rPr>
-              <a:t>There were so many observations, among which I am trying to correlate these two data points to infer some area of improvement or potential pain points by bringing visibility and learning patterns in customer behaviour region wise, product category wise and month wise</a:t>
+              <a:t>There were so many observations, among which I am trying to correlate these two data points to infer some area of improvement or potential pain points by bringing visibility and learning patterns in customer behaviour region-wise, product category and month wise</a:t>
             </a:r>
           </a:p>
           <a:p>
@@ -6612,28 +6854,34 @@
             </a:pPr>
             <a:r>
               <a:rPr lang="en-IN" sz="1200" dirty="0">
+                <a:highlight>
+                  <a:srgbClr val="00FF00"/>
+                </a:highlight>
                 <a:latin typeface="Poppins" panose="00000500000000000000" pitchFamily="2" charset="0"/>
                 <a:ea typeface="Calibri Light" panose="020F0302020204030204" pitchFamily="34" charset="0"/>
                 <a:cs typeface="Poppins" panose="00000500000000000000" pitchFamily="2" charset="0"/>
               </a:rPr>
-              <a:t>Note: We tried to synthesize the 2021 and 2022 data considering various parameters such as Product categories, customer ID, region, units, cost_per_unit, </a:t>
-            </a:r>
-            <a:r>
-              <a:rPr lang="en-IN" sz="1200" dirty="0" err="1">
+              <a:t>Goal: </a:t>
+            </a:r>
+            <a:r>
+              <a:rPr lang="en-US" sz="1200" dirty="0">
+                <a:highlight>
+                  <a:srgbClr val="00FF00"/>
+                </a:highlight>
                 <a:latin typeface="Poppins" panose="00000500000000000000" pitchFamily="2" charset="0"/>
                 <a:ea typeface="Calibri Light" panose="020F0302020204030204" pitchFamily="34" charset="0"/>
                 <a:cs typeface="Poppins" panose="00000500000000000000" pitchFamily="2" charset="0"/>
               </a:rPr>
-              <a:t>sales_cost</a:t>
-            </a:r>
-            <a:r>
-              <a:rPr lang="en-IN" sz="1200" dirty="0">
-                <a:latin typeface="Poppins" panose="00000500000000000000" pitchFamily="2" charset="0"/>
-                <a:ea typeface="Calibri Light" panose="020F0302020204030204" pitchFamily="34" charset="0"/>
-                <a:cs typeface="Poppins" panose="00000500000000000000" pitchFamily="2" charset="0"/>
-              </a:rPr>
-              <a:t>, staff_qty, per staff cost, and staff cost. These data points are used here to make a data storyboard in the forthcoming slides.</a:t>
-            </a:r>
+              <a:t>To predict customer profiles based on region, month, and product category for the year 2022, using a machine learning model trained on data from the year 2021. This analysis will help determine staffing requirements for the year 2022.</a:t>
+            </a:r>
+            <a:endParaRPr lang="en-IN" sz="1200" dirty="0">
+              <a:highlight>
+                <a:srgbClr val="00FF00"/>
+              </a:highlight>
+              <a:latin typeface="Poppins" panose="00000500000000000000" pitchFamily="2" charset="0"/>
+              <a:ea typeface="Calibri Light" panose="020F0302020204030204" pitchFamily="34" charset="0"/>
+              <a:cs typeface="Poppins" panose="00000500000000000000" pitchFamily="2" charset="0"/>
+            </a:endParaRPr>
           </a:p>
         </p:txBody>
       </p:sp>

--- a/Sales Analytics.pptx
+++ b/Sales Analytics.pptx
@@ -5563,7 +5563,7 @@
                 <a:latin typeface="Poppins SemiBold"/>
                 <a:cs typeface="Poppins SemiBold"/>
               </a:rPr>
-              <a:t>Evaluation – Customer segmentation</a:t>
+              <a:t>Deployment – Customer segmentation</a:t>
             </a:r>
           </a:p>
         </p:txBody>
